--- a/ppt 16-9/0954.主啊！我信.pptx
+++ b/ppt 16-9/0954.主啊！我信.pptx
@@ -129,7 +129,7 @@
           <p:cNvPr id="2" name="标题 1">
             <a:extLst>
               <a:ext uri="{FF2B5EF4-FFF2-40B4-BE49-F238E27FC236}">
-                <a16:creationId xmlns:a16="http://schemas.microsoft.com/office/drawing/2014/main" id="{13D976E1-5FB7-5B28-6E4A-4A259A1EE8CF}"/>
+                <a16:creationId xmlns:a16="http://schemas.microsoft.com/office/drawing/2014/main" id="{28E8C706-FA54-A820-B98F-B47948922276}"/>
               </a:ext>
             </a:extLst>
           </p:cNvPr>
@@ -166,7 +166,7 @@
           <p:cNvPr id="3" name="副标题 2">
             <a:extLst>
               <a:ext uri="{FF2B5EF4-FFF2-40B4-BE49-F238E27FC236}">
-                <a16:creationId xmlns:a16="http://schemas.microsoft.com/office/drawing/2014/main" id="{AF4F6D97-66D8-386D-B28C-3401F2177232}"/>
+                <a16:creationId xmlns:a16="http://schemas.microsoft.com/office/drawing/2014/main" id="{53211EDC-41E2-6FE0-9DBD-05ED01DF0E4E}"/>
               </a:ext>
             </a:extLst>
           </p:cNvPr>
@@ -236,7 +236,7 @@
           <p:cNvPr id="4" name="日期占位符 3">
             <a:extLst>
               <a:ext uri="{FF2B5EF4-FFF2-40B4-BE49-F238E27FC236}">
-                <a16:creationId xmlns:a16="http://schemas.microsoft.com/office/drawing/2014/main" id="{3D36D468-DEDF-85E5-D6CC-97B6CDC09511}"/>
+                <a16:creationId xmlns:a16="http://schemas.microsoft.com/office/drawing/2014/main" id="{4311B469-6711-EC7F-3A6D-81C9BC3CB917}"/>
               </a:ext>
             </a:extLst>
           </p:cNvPr>
@@ -252,7 +252,7 @@
           <a:bodyPr/>
           <a:lstStyle/>
           <a:p>
-            <a:fld id="{B55278F8-A17E-40AE-812D-6D423E608620}" type="datetimeFigureOut">
+            <a:fld id="{1FC17983-5F2A-4609-90F2-B362521F55A1}" type="datetimeFigureOut">
               <a:rPr lang="zh-CN" altLang="en-US" smtClean="0"/>
               <a:t>2024/3/10</a:t>
             </a:fld>
@@ -265,7 +265,7 @@
           <p:cNvPr id="5" name="页脚占位符 4">
             <a:extLst>
               <a:ext uri="{FF2B5EF4-FFF2-40B4-BE49-F238E27FC236}">
-                <a16:creationId xmlns:a16="http://schemas.microsoft.com/office/drawing/2014/main" id="{A6DD1F21-2450-21B0-29E4-8A7F583102E8}"/>
+                <a16:creationId xmlns:a16="http://schemas.microsoft.com/office/drawing/2014/main" id="{A2609083-177D-98A7-1179-0E5A4EEAB1EC}"/>
               </a:ext>
             </a:extLst>
           </p:cNvPr>
@@ -290,7 +290,7 @@
           <p:cNvPr id="6" name="灯片编号占位符 5">
             <a:extLst>
               <a:ext uri="{FF2B5EF4-FFF2-40B4-BE49-F238E27FC236}">
-                <a16:creationId xmlns:a16="http://schemas.microsoft.com/office/drawing/2014/main" id="{4036F51D-6F4F-F8D5-D221-1A117258B0A4}"/>
+                <a16:creationId xmlns:a16="http://schemas.microsoft.com/office/drawing/2014/main" id="{E4AFB396-BFA4-15D2-3665-9035D07C5D5C}"/>
               </a:ext>
             </a:extLst>
           </p:cNvPr>
@@ -306,7 +306,7 @@
           <a:bodyPr/>
           <a:lstStyle/>
           <a:p>
-            <a:fld id="{BE13F6C9-8979-4563-A095-E599654A112A}" type="slidenum">
+            <a:fld id="{19C3DD8D-9E4B-4F1F-AE19-BA87E9053BD3}" type="slidenum">
               <a:rPr lang="zh-CN" altLang="en-US" smtClean="0"/>
               <a:t>‹#›</a:t>
             </a:fld>
@@ -317,7 +317,7 @@
     </p:spTree>
     <p:extLst>
       <p:ext uri="{BB962C8B-B14F-4D97-AF65-F5344CB8AC3E}">
-        <p14:creationId xmlns:p14="http://schemas.microsoft.com/office/powerpoint/2010/main" val="2548807574"/>
+        <p14:creationId xmlns:p14="http://schemas.microsoft.com/office/powerpoint/2010/main" val="1237266511"/>
       </p:ext>
     </p:extLst>
   </p:cSld>
@@ -349,7 +349,7 @@
           <p:cNvPr id="2" name="标题 1">
             <a:extLst>
               <a:ext uri="{FF2B5EF4-FFF2-40B4-BE49-F238E27FC236}">
-                <a16:creationId xmlns:a16="http://schemas.microsoft.com/office/drawing/2014/main" id="{482A6F9D-B331-03D5-0E00-3C20C4322803}"/>
+                <a16:creationId xmlns:a16="http://schemas.microsoft.com/office/drawing/2014/main" id="{9C95680D-1543-1B39-AD97-61BF2BD8592E}"/>
               </a:ext>
             </a:extLst>
           </p:cNvPr>
@@ -377,7 +377,7 @@
           <p:cNvPr id="3" name="竖排文字占位符 2">
             <a:extLst>
               <a:ext uri="{FF2B5EF4-FFF2-40B4-BE49-F238E27FC236}">
-                <a16:creationId xmlns:a16="http://schemas.microsoft.com/office/drawing/2014/main" id="{A307A591-47D8-F53E-C717-E41A3D2C3696}"/>
+                <a16:creationId xmlns:a16="http://schemas.microsoft.com/office/drawing/2014/main" id="{75D75BAF-2F10-CED2-FF09-8C93BF96BCC8}"/>
               </a:ext>
             </a:extLst>
           </p:cNvPr>
@@ -434,7 +434,7 @@
           <p:cNvPr id="4" name="日期占位符 3">
             <a:extLst>
               <a:ext uri="{FF2B5EF4-FFF2-40B4-BE49-F238E27FC236}">
-                <a16:creationId xmlns:a16="http://schemas.microsoft.com/office/drawing/2014/main" id="{115A06A5-A198-1B93-7E56-2BC109D02EA1}"/>
+                <a16:creationId xmlns:a16="http://schemas.microsoft.com/office/drawing/2014/main" id="{09755B59-873B-54D8-724B-65C59809044F}"/>
               </a:ext>
             </a:extLst>
           </p:cNvPr>
@@ -450,7 +450,7 @@
           <a:bodyPr/>
           <a:lstStyle/>
           <a:p>
-            <a:fld id="{B55278F8-A17E-40AE-812D-6D423E608620}" type="datetimeFigureOut">
+            <a:fld id="{1FC17983-5F2A-4609-90F2-B362521F55A1}" type="datetimeFigureOut">
               <a:rPr lang="zh-CN" altLang="en-US" smtClean="0"/>
               <a:t>2024/3/10</a:t>
             </a:fld>
@@ -463,7 +463,7 @@
           <p:cNvPr id="5" name="页脚占位符 4">
             <a:extLst>
               <a:ext uri="{FF2B5EF4-FFF2-40B4-BE49-F238E27FC236}">
-                <a16:creationId xmlns:a16="http://schemas.microsoft.com/office/drawing/2014/main" id="{C207D47B-85B4-FB56-8E6B-439A68A6FE8B}"/>
+                <a16:creationId xmlns:a16="http://schemas.microsoft.com/office/drawing/2014/main" id="{FB051D41-7B66-F325-E481-3D990E1903CC}"/>
               </a:ext>
             </a:extLst>
           </p:cNvPr>
@@ -488,7 +488,7 @@
           <p:cNvPr id="6" name="灯片编号占位符 5">
             <a:extLst>
               <a:ext uri="{FF2B5EF4-FFF2-40B4-BE49-F238E27FC236}">
-                <a16:creationId xmlns:a16="http://schemas.microsoft.com/office/drawing/2014/main" id="{3CCA5769-1187-31B4-E1AF-B03FBC9E4279}"/>
+                <a16:creationId xmlns:a16="http://schemas.microsoft.com/office/drawing/2014/main" id="{DFD0A5B9-3039-758B-F2D1-57705106682A}"/>
               </a:ext>
             </a:extLst>
           </p:cNvPr>
@@ -504,7 +504,7 @@
           <a:bodyPr/>
           <a:lstStyle/>
           <a:p>
-            <a:fld id="{BE13F6C9-8979-4563-A095-E599654A112A}" type="slidenum">
+            <a:fld id="{19C3DD8D-9E4B-4F1F-AE19-BA87E9053BD3}" type="slidenum">
               <a:rPr lang="zh-CN" altLang="en-US" smtClean="0"/>
               <a:t>‹#›</a:t>
             </a:fld>
@@ -515,7 +515,7 @@
     </p:spTree>
     <p:extLst>
       <p:ext uri="{BB962C8B-B14F-4D97-AF65-F5344CB8AC3E}">
-        <p14:creationId xmlns:p14="http://schemas.microsoft.com/office/powerpoint/2010/main" val="3337188037"/>
+        <p14:creationId xmlns:p14="http://schemas.microsoft.com/office/powerpoint/2010/main" val="908934934"/>
       </p:ext>
     </p:extLst>
   </p:cSld>
@@ -547,7 +547,7 @@
           <p:cNvPr id="2" name="竖排标题 1">
             <a:extLst>
               <a:ext uri="{FF2B5EF4-FFF2-40B4-BE49-F238E27FC236}">
-                <a16:creationId xmlns:a16="http://schemas.microsoft.com/office/drawing/2014/main" id="{A2A6FBC6-46EE-CEE5-3EAE-EA21E4152CA6}"/>
+                <a16:creationId xmlns:a16="http://schemas.microsoft.com/office/drawing/2014/main" id="{D3CA5F64-276C-909A-8719-93E7E1F0ACE7}"/>
               </a:ext>
             </a:extLst>
           </p:cNvPr>
@@ -580,7 +580,7 @@
           <p:cNvPr id="3" name="竖排文字占位符 2">
             <a:extLst>
               <a:ext uri="{FF2B5EF4-FFF2-40B4-BE49-F238E27FC236}">
-                <a16:creationId xmlns:a16="http://schemas.microsoft.com/office/drawing/2014/main" id="{9B0DAFE1-FF96-7EF8-CCD2-884B2CF58F14}"/>
+                <a16:creationId xmlns:a16="http://schemas.microsoft.com/office/drawing/2014/main" id="{F228674B-B146-5386-637D-D8F6462581AC}"/>
               </a:ext>
             </a:extLst>
           </p:cNvPr>
@@ -642,7 +642,7 @@
           <p:cNvPr id="4" name="日期占位符 3">
             <a:extLst>
               <a:ext uri="{FF2B5EF4-FFF2-40B4-BE49-F238E27FC236}">
-                <a16:creationId xmlns:a16="http://schemas.microsoft.com/office/drawing/2014/main" id="{E1D95CDE-513C-86B2-F3BB-EEC98370C049}"/>
+                <a16:creationId xmlns:a16="http://schemas.microsoft.com/office/drawing/2014/main" id="{C04690DA-AD4B-FBA1-9A2B-03D56748CE32}"/>
               </a:ext>
             </a:extLst>
           </p:cNvPr>
@@ -658,7 +658,7 @@
           <a:bodyPr/>
           <a:lstStyle/>
           <a:p>
-            <a:fld id="{B55278F8-A17E-40AE-812D-6D423E608620}" type="datetimeFigureOut">
+            <a:fld id="{1FC17983-5F2A-4609-90F2-B362521F55A1}" type="datetimeFigureOut">
               <a:rPr lang="zh-CN" altLang="en-US" smtClean="0"/>
               <a:t>2024/3/10</a:t>
             </a:fld>
@@ -671,7 +671,7 @@
           <p:cNvPr id="5" name="页脚占位符 4">
             <a:extLst>
               <a:ext uri="{FF2B5EF4-FFF2-40B4-BE49-F238E27FC236}">
-                <a16:creationId xmlns:a16="http://schemas.microsoft.com/office/drawing/2014/main" id="{E6D8B47B-A755-F5C8-05DD-14290274EEB3}"/>
+                <a16:creationId xmlns:a16="http://schemas.microsoft.com/office/drawing/2014/main" id="{51D41868-9531-F644-5AD7-24C7F0EF4B2C}"/>
               </a:ext>
             </a:extLst>
           </p:cNvPr>
@@ -696,7 +696,7 @@
           <p:cNvPr id="6" name="灯片编号占位符 5">
             <a:extLst>
               <a:ext uri="{FF2B5EF4-FFF2-40B4-BE49-F238E27FC236}">
-                <a16:creationId xmlns:a16="http://schemas.microsoft.com/office/drawing/2014/main" id="{CD2DD729-218D-E368-1086-7AF819567B15}"/>
+                <a16:creationId xmlns:a16="http://schemas.microsoft.com/office/drawing/2014/main" id="{34AFF36F-5369-683F-A393-49AC021128C6}"/>
               </a:ext>
             </a:extLst>
           </p:cNvPr>
@@ -712,7 +712,7 @@
           <a:bodyPr/>
           <a:lstStyle/>
           <a:p>
-            <a:fld id="{BE13F6C9-8979-4563-A095-E599654A112A}" type="slidenum">
+            <a:fld id="{19C3DD8D-9E4B-4F1F-AE19-BA87E9053BD3}" type="slidenum">
               <a:rPr lang="zh-CN" altLang="en-US" smtClean="0"/>
               <a:t>‹#›</a:t>
             </a:fld>
@@ -723,7 +723,7 @@
     </p:spTree>
     <p:extLst>
       <p:ext uri="{BB962C8B-B14F-4D97-AF65-F5344CB8AC3E}">
-        <p14:creationId xmlns:p14="http://schemas.microsoft.com/office/powerpoint/2010/main" val="1415080521"/>
+        <p14:creationId xmlns:p14="http://schemas.microsoft.com/office/powerpoint/2010/main" val="1735430620"/>
       </p:ext>
     </p:extLst>
   </p:cSld>
@@ -755,7 +755,7 @@
           <p:cNvPr id="2" name="标题 1">
             <a:extLst>
               <a:ext uri="{FF2B5EF4-FFF2-40B4-BE49-F238E27FC236}">
-                <a16:creationId xmlns:a16="http://schemas.microsoft.com/office/drawing/2014/main" id="{D59A60C2-978D-BDF7-5EA6-85B080EA813F}"/>
+                <a16:creationId xmlns:a16="http://schemas.microsoft.com/office/drawing/2014/main" id="{C8E921FA-86BC-A630-9494-57DED2311792}"/>
               </a:ext>
             </a:extLst>
           </p:cNvPr>
@@ -783,7 +783,7 @@
           <p:cNvPr id="3" name="内容占位符 2">
             <a:extLst>
               <a:ext uri="{FF2B5EF4-FFF2-40B4-BE49-F238E27FC236}">
-                <a16:creationId xmlns:a16="http://schemas.microsoft.com/office/drawing/2014/main" id="{7E82AEA6-9603-858F-D43F-593B0DA8A4B1}"/>
+                <a16:creationId xmlns:a16="http://schemas.microsoft.com/office/drawing/2014/main" id="{3334B7C0-F3AC-3D1E-6AF6-A6CB23886CE8}"/>
               </a:ext>
             </a:extLst>
           </p:cNvPr>
@@ -840,7 +840,7 @@
           <p:cNvPr id="4" name="日期占位符 3">
             <a:extLst>
               <a:ext uri="{FF2B5EF4-FFF2-40B4-BE49-F238E27FC236}">
-                <a16:creationId xmlns:a16="http://schemas.microsoft.com/office/drawing/2014/main" id="{DA966549-3489-4B53-3D33-AEDC64AE9681}"/>
+                <a16:creationId xmlns:a16="http://schemas.microsoft.com/office/drawing/2014/main" id="{36EDBF02-545A-E280-8CA5-657A9E87271B}"/>
               </a:ext>
             </a:extLst>
           </p:cNvPr>
@@ -856,7 +856,7 @@
           <a:bodyPr/>
           <a:lstStyle/>
           <a:p>
-            <a:fld id="{B55278F8-A17E-40AE-812D-6D423E608620}" type="datetimeFigureOut">
+            <a:fld id="{1FC17983-5F2A-4609-90F2-B362521F55A1}" type="datetimeFigureOut">
               <a:rPr lang="zh-CN" altLang="en-US" smtClean="0"/>
               <a:t>2024/3/10</a:t>
             </a:fld>
@@ -869,7 +869,7 @@
           <p:cNvPr id="5" name="页脚占位符 4">
             <a:extLst>
               <a:ext uri="{FF2B5EF4-FFF2-40B4-BE49-F238E27FC236}">
-                <a16:creationId xmlns:a16="http://schemas.microsoft.com/office/drawing/2014/main" id="{C67F0C6C-1AB7-C1A1-62AA-07070AB9B58D}"/>
+                <a16:creationId xmlns:a16="http://schemas.microsoft.com/office/drawing/2014/main" id="{0639D96F-A3C1-BA08-0B24-544BB17D99D4}"/>
               </a:ext>
             </a:extLst>
           </p:cNvPr>
@@ -894,7 +894,7 @@
           <p:cNvPr id="6" name="灯片编号占位符 5">
             <a:extLst>
               <a:ext uri="{FF2B5EF4-FFF2-40B4-BE49-F238E27FC236}">
-                <a16:creationId xmlns:a16="http://schemas.microsoft.com/office/drawing/2014/main" id="{1DAEB866-1AB2-706A-F450-6D137D137CF5}"/>
+                <a16:creationId xmlns:a16="http://schemas.microsoft.com/office/drawing/2014/main" id="{0140B47E-D084-068F-EE59-1ECF835C0CE3}"/>
               </a:ext>
             </a:extLst>
           </p:cNvPr>
@@ -910,7 +910,7 @@
           <a:bodyPr/>
           <a:lstStyle/>
           <a:p>
-            <a:fld id="{BE13F6C9-8979-4563-A095-E599654A112A}" type="slidenum">
+            <a:fld id="{19C3DD8D-9E4B-4F1F-AE19-BA87E9053BD3}" type="slidenum">
               <a:rPr lang="zh-CN" altLang="en-US" smtClean="0"/>
               <a:t>‹#›</a:t>
             </a:fld>
@@ -921,7 +921,7 @@
     </p:spTree>
     <p:extLst>
       <p:ext uri="{BB962C8B-B14F-4D97-AF65-F5344CB8AC3E}">
-        <p14:creationId xmlns:p14="http://schemas.microsoft.com/office/powerpoint/2010/main" val="532037761"/>
+        <p14:creationId xmlns:p14="http://schemas.microsoft.com/office/powerpoint/2010/main" val="1853038889"/>
       </p:ext>
     </p:extLst>
   </p:cSld>
@@ -953,7 +953,7 @@
           <p:cNvPr id="2" name="标题 1">
             <a:extLst>
               <a:ext uri="{FF2B5EF4-FFF2-40B4-BE49-F238E27FC236}">
-                <a16:creationId xmlns:a16="http://schemas.microsoft.com/office/drawing/2014/main" id="{C2C70762-7B09-98D8-BD66-A8BF3CD94FE1}"/>
+                <a16:creationId xmlns:a16="http://schemas.microsoft.com/office/drawing/2014/main" id="{EA119D33-2837-A2FF-4ABF-A025C3F8C0AD}"/>
               </a:ext>
             </a:extLst>
           </p:cNvPr>
@@ -990,7 +990,7 @@
           <p:cNvPr id="3" name="文本占位符 2">
             <a:extLst>
               <a:ext uri="{FF2B5EF4-FFF2-40B4-BE49-F238E27FC236}">
-                <a16:creationId xmlns:a16="http://schemas.microsoft.com/office/drawing/2014/main" id="{4C1919A8-1E40-BC64-F0D2-09587334738D}"/>
+                <a16:creationId xmlns:a16="http://schemas.microsoft.com/office/drawing/2014/main" id="{B89E4659-67ED-73A2-020C-096BCE761248}"/>
               </a:ext>
             </a:extLst>
           </p:cNvPr>
@@ -1115,7 +1115,7 @@
           <p:cNvPr id="4" name="日期占位符 3">
             <a:extLst>
               <a:ext uri="{FF2B5EF4-FFF2-40B4-BE49-F238E27FC236}">
-                <a16:creationId xmlns:a16="http://schemas.microsoft.com/office/drawing/2014/main" id="{AE782CA5-F751-5200-A2B2-C01B4CCB8ED2}"/>
+                <a16:creationId xmlns:a16="http://schemas.microsoft.com/office/drawing/2014/main" id="{B1628BAF-D78C-B124-54EA-993F17F8DC3B}"/>
               </a:ext>
             </a:extLst>
           </p:cNvPr>
@@ -1131,7 +1131,7 @@
           <a:bodyPr/>
           <a:lstStyle/>
           <a:p>
-            <a:fld id="{B55278F8-A17E-40AE-812D-6D423E608620}" type="datetimeFigureOut">
+            <a:fld id="{1FC17983-5F2A-4609-90F2-B362521F55A1}" type="datetimeFigureOut">
               <a:rPr lang="zh-CN" altLang="en-US" smtClean="0"/>
               <a:t>2024/3/10</a:t>
             </a:fld>
@@ -1144,7 +1144,7 @@
           <p:cNvPr id="5" name="页脚占位符 4">
             <a:extLst>
               <a:ext uri="{FF2B5EF4-FFF2-40B4-BE49-F238E27FC236}">
-                <a16:creationId xmlns:a16="http://schemas.microsoft.com/office/drawing/2014/main" id="{68825AFF-A246-9D71-F85E-586ED6245DA4}"/>
+                <a16:creationId xmlns:a16="http://schemas.microsoft.com/office/drawing/2014/main" id="{378DEA83-CF0B-941C-BDAD-A1F2427FCFF9}"/>
               </a:ext>
             </a:extLst>
           </p:cNvPr>
@@ -1169,7 +1169,7 @@
           <p:cNvPr id="6" name="灯片编号占位符 5">
             <a:extLst>
               <a:ext uri="{FF2B5EF4-FFF2-40B4-BE49-F238E27FC236}">
-                <a16:creationId xmlns:a16="http://schemas.microsoft.com/office/drawing/2014/main" id="{B8D95A64-2301-F7C5-6B58-EF7DFE0E72E3}"/>
+                <a16:creationId xmlns:a16="http://schemas.microsoft.com/office/drawing/2014/main" id="{22966631-5DF9-82E5-4257-B60DD8AA5FFE}"/>
               </a:ext>
             </a:extLst>
           </p:cNvPr>
@@ -1185,7 +1185,7 @@
           <a:bodyPr/>
           <a:lstStyle/>
           <a:p>
-            <a:fld id="{BE13F6C9-8979-4563-A095-E599654A112A}" type="slidenum">
+            <a:fld id="{19C3DD8D-9E4B-4F1F-AE19-BA87E9053BD3}" type="slidenum">
               <a:rPr lang="zh-CN" altLang="en-US" smtClean="0"/>
               <a:t>‹#›</a:t>
             </a:fld>
@@ -1196,7 +1196,7 @@
     </p:spTree>
     <p:extLst>
       <p:ext uri="{BB962C8B-B14F-4D97-AF65-F5344CB8AC3E}">
-        <p14:creationId xmlns:p14="http://schemas.microsoft.com/office/powerpoint/2010/main" val="2821788405"/>
+        <p14:creationId xmlns:p14="http://schemas.microsoft.com/office/powerpoint/2010/main" val="1563767814"/>
       </p:ext>
     </p:extLst>
   </p:cSld>
@@ -1228,7 +1228,7 @@
           <p:cNvPr id="2" name="标题 1">
             <a:extLst>
               <a:ext uri="{FF2B5EF4-FFF2-40B4-BE49-F238E27FC236}">
-                <a16:creationId xmlns:a16="http://schemas.microsoft.com/office/drawing/2014/main" id="{CEEF943F-BDBA-5D15-9D66-02733D018241}"/>
+                <a16:creationId xmlns:a16="http://schemas.microsoft.com/office/drawing/2014/main" id="{6A7A3687-6694-FF8D-8731-979E3888AC03}"/>
               </a:ext>
             </a:extLst>
           </p:cNvPr>
@@ -1256,7 +1256,7 @@
           <p:cNvPr id="3" name="内容占位符 2">
             <a:extLst>
               <a:ext uri="{FF2B5EF4-FFF2-40B4-BE49-F238E27FC236}">
-                <a16:creationId xmlns:a16="http://schemas.microsoft.com/office/drawing/2014/main" id="{8F080CAE-E271-E740-54B5-8DA98286D2B0}"/>
+                <a16:creationId xmlns:a16="http://schemas.microsoft.com/office/drawing/2014/main" id="{66B0B5F8-9203-7B6B-720F-9AFBD22F017E}"/>
               </a:ext>
             </a:extLst>
           </p:cNvPr>
@@ -1318,7 +1318,7 @@
           <p:cNvPr id="4" name="内容占位符 3">
             <a:extLst>
               <a:ext uri="{FF2B5EF4-FFF2-40B4-BE49-F238E27FC236}">
-                <a16:creationId xmlns:a16="http://schemas.microsoft.com/office/drawing/2014/main" id="{617C8ECB-F67B-E982-072E-8E230C359BDA}"/>
+                <a16:creationId xmlns:a16="http://schemas.microsoft.com/office/drawing/2014/main" id="{AD899641-99D8-41BA-99C1-E22BB952CDC8}"/>
               </a:ext>
             </a:extLst>
           </p:cNvPr>
@@ -1380,7 +1380,7 @@
           <p:cNvPr id="5" name="日期占位符 4">
             <a:extLst>
               <a:ext uri="{FF2B5EF4-FFF2-40B4-BE49-F238E27FC236}">
-                <a16:creationId xmlns:a16="http://schemas.microsoft.com/office/drawing/2014/main" id="{27A03F03-D901-4CC1-49CE-D3D70DB4A0E8}"/>
+                <a16:creationId xmlns:a16="http://schemas.microsoft.com/office/drawing/2014/main" id="{3CC5A217-D847-9E30-3919-F610A20DF56B}"/>
               </a:ext>
             </a:extLst>
           </p:cNvPr>
@@ -1396,7 +1396,7 @@
           <a:bodyPr/>
           <a:lstStyle/>
           <a:p>
-            <a:fld id="{B55278F8-A17E-40AE-812D-6D423E608620}" type="datetimeFigureOut">
+            <a:fld id="{1FC17983-5F2A-4609-90F2-B362521F55A1}" type="datetimeFigureOut">
               <a:rPr lang="zh-CN" altLang="en-US" smtClean="0"/>
               <a:t>2024/3/10</a:t>
             </a:fld>
@@ -1409,7 +1409,7 @@
           <p:cNvPr id="6" name="页脚占位符 5">
             <a:extLst>
               <a:ext uri="{FF2B5EF4-FFF2-40B4-BE49-F238E27FC236}">
-                <a16:creationId xmlns:a16="http://schemas.microsoft.com/office/drawing/2014/main" id="{D0BE0D24-D2DA-98CB-2C63-6C1944C38F0F}"/>
+                <a16:creationId xmlns:a16="http://schemas.microsoft.com/office/drawing/2014/main" id="{EF332CB1-3B4F-E6D3-8E29-F41F02615948}"/>
               </a:ext>
             </a:extLst>
           </p:cNvPr>
@@ -1434,7 +1434,7 @@
           <p:cNvPr id="7" name="灯片编号占位符 6">
             <a:extLst>
               <a:ext uri="{FF2B5EF4-FFF2-40B4-BE49-F238E27FC236}">
-                <a16:creationId xmlns:a16="http://schemas.microsoft.com/office/drawing/2014/main" id="{2D8F934D-D918-1EC4-4945-61E25603C93A}"/>
+                <a16:creationId xmlns:a16="http://schemas.microsoft.com/office/drawing/2014/main" id="{890FEFE6-09F2-AF73-EE4D-C895E6FCA0B5}"/>
               </a:ext>
             </a:extLst>
           </p:cNvPr>
@@ -1450,7 +1450,7 @@
           <a:bodyPr/>
           <a:lstStyle/>
           <a:p>
-            <a:fld id="{BE13F6C9-8979-4563-A095-E599654A112A}" type="slidenum">
+            <a:fld id="{19C3DD8D-9E4B-4F1F-AE19-BA87E9053BD3}" type="slidenum">
               <a:rPr lang="zh-CN" altLang="en-US" smtClean="0"/>
               <a:t>‹#›</a:t>
             </a:fld>
@@ -1461,7 +1461,7 @@
     </p:spTree>
     <p:extLst>
       <p:ext uri="{BB962C8B-B14F-4D97-AF65-F5344CB8AC3E}">
-        <p14:creationId xmlns:p14="http://schemas.microsoft.com/office/powerpoint/2010/main" val="1135452666"/>
+        <p14:creationId xmlns:p14="http://schemas.microsoft.com/office/powerpoint/2010/main" val="3161400691"/>
       </p:ext>
     </p:extLst>
   </p:cSld>
@@ -1493,7 +1493,7 @@
           <p:cNvPr id="2" name="标题 1">
             <a:extLst>
               <a:ext uri="{FF2B5EF4-FFF2-40B4-BE49-F238E27FC236}">
-                <a16:creationId xmlns:a16="http://schemas.microsoft.com/office/drawing/2014/main" id="{EE65372B-E484-5FED-20EB-6B1079B32F2D}"/>
+                <a16:creationId xmlns:a16="http://schemas.microsoft.com/office/drawing/2014/main" id="{9908CB45-AA1D-22EC-AE2E-5DDC0863AB38}"/>
               </a:ext>
             </a:extLst>
           </p:cNvPr>
@@ -1526,7 +1526,7 @@
           <p:cNvPr id="3" name="文本占位符 2">
             <a:extLst>
               <a:ext uri="{FF2B5EF4-FFF2-40B4-BE49-F238E27FC236}">
-                <a16:creationId xmlns:a16="http://schemas.microsoft.com/office/drawing/2014/main" id="{7169AFBC-9930-28EB-E77C-568EA0729F0F}"/>
+                <a16:creationId xmlns:a16="http://schemas.microsoft.com/office/drawing/2014/main" id="{602B23AC-7FC3-3F95-8D73-936D7580A490}"/>
               </a:ext>
             </a:extLst>
           </p:cNvPr>
@@ -1597,7 +1597,7 @@
           <p:cNvPr id="4" name="内容占位符 3">
             <a:extLst>
               <a:ext uri="{FF2B5EF4-FFF2-40B4-BE49-F238E27FC236}">
-                <a16:creationId xmlns:a16="http://schemas.microsoft.com/office/drawing/2014/main" id="{58A6F81D-1132-5189-9BBB-552D22103950}"/>
+                <a16:creationId xmlns:a16="http://schemas.microsoft.com/office/drawing/2014/main" id="{CAD67170-CEB1-717C-EC4F-3E86F5CCB35D}"/>
               </a:ext>
             </a:extLst>
           </p:cNvPr>
@@ -1659,7 +1659,7 @@
           <p:cNvPr id="5" name="文本占位符 4">
             <a:extLst>
               <a:ext uri="{FF2B5EF4-FFF2-40B4-BE49-F238E27FC236}">
-                <a16:creationId xmlns:a16="http://schemas.microsoft.com/office/drawing/2014/main" id="{EADEB9F2-416D-34E2-CD9E-0B8E737C746D}"/>
+                <a16:creationId xmlns:a16="http://schemas.microsoft.com/office/drawing/2014/main" id="{E710FF6A-BC1E-0E32-A1BC-0E59687AB7BC}"/>
               </a:ext>
             </a:extLst>
           </p:cNvPr>
@@ -1730,7 +1730,7 @@
           <p:cNvPr id="6" name="内容占位符 5">
             <a:extLst>
               <a:ext uri="{FF2B5EF4-FFF2-40B4-BE49-F238E27FC236}">
-                <a16:creationId xmlns:a16="http://schemas.microsoft.com/office/drawing/2014/main" id="{239222AE-4E44-2DB5-5107-DDBB6FC0166C}"/>
+                <a16:creationId xmlns:a16="http://schemas.microsoft.com/office/drawing/2014/main" id="{8DCD5ADE-0E08-E2BE-10A6-3D10CD07499E}"/>
               </a:ext>
             </a:extLst>
           </p:cNvPr>
@@ -1792,7 +1792,7 @@
           <p:cNvPr id="7" name="日期占位符 6">
             <a:extLst>
               <a:ext uri="{FF2B5EF4-FFF2-40B4-BE49-F238E27FC236}">
-                <a16:creationId xmlns:a16="http://schemas.microsoft.com/office/drawing/2014/main" id="{C9AA75FC-7D9C-3BB4-4440-CF657C55C04E}"/>
+                <a16:creationId xmlns:a16="http://schemas.microsoft.com/office/drawing/2014/main" id="{104824C3-C7FD-C223-EFD8-BD4B152CADD2}"/>
               </a:ext>
             </a:extLst>
           </p:cNvPr>
@@ -1808,7 +1808,7 @@
           <a:bodyPr/>
           <a:lstStyle/>
           <a:p>
-            <a:fld id="{B55278F8-A17E-40AE-812D-6D423E608620}" type="datetimeFigureOut">
+            <a:fld id="{1FC17983-5F2A-4609-90F2-B362521F55A1}" type="datetimeFigureOut">
               <a:rPr lang="zh-CN" altLang="en-US" smtClean="0"/>
               <a:t>2024/3/10</a:t>
             </a:fld>
@@ -1821,7 +1821,7 @@
           <p:cNvPr id="8" name="页脚占位符 7">
             <a:extLst>
               <a:ext uri="{FF2B5EF4-FFF2-40B4-BE49-F238E27FC236}">
-                <a16:creationId xmlns:a16="http://schemas.microsoft.com/office/drawing/2014/main" id="{ADA429B2-46CD-315D-C53E-C22C00C4884C}"/>
+                <a16:creationId xmlns:a16="http://schemas.microsoft.com/office/drawing/2014/main" id="{28305596-E1A2-6B1F-C5CE-FB913907FB73}"/>
               </a:ext>
             </a:extLst>
           </p:cNvPr>
@@ -1846,7 +1846,7 @@
           <p:cNvPr id="9" name="灯片编号占位符 8">
             <a:extLst>
               <a:ext uri="{FF2B5EF4-FFF2-40B4-BE49-F238E27FC236}">
-                <a16:creationId xmlns:a16="http://schemas.microsoft.com/office/drawing/2014/main" id="{279B681A-29AA-05EB-9DF9-37EB1FD37D31}"/>
+                <a16:creationId xmlns:a16="http://schemas.microsoft.com/office/drawing/2014/main" id="{6861F214-08A8-43E4-7EF4-02E5D296E096}"/>
               </a:ext>
             </a:extLst>
           </p:cNvPr>
@@ -1862,7 +1862,7 @@
           <a:bodyPr/>
           <a:lstStyle/>
           <a:p>
-            <a:fld id="{BE13F6C9-8979-4563-A095-E599654A112A}" type="slidenum">
+            <a:fld id="{19C3DD8D-9E4B-4F1F-AE19-BA87E9053BD3}" type="slidenum">
               <a:rPr lang="zh-CN" altLang="en-US" smtClean="0"/>
               <a:t>‹#›</a:t>
             </a:fld>
@@ -1873,7 +1873,7 @@
     </p:spTree>
     <p:extLst>
       <p:ext uri="{BB962C8B-B14F-4D97-AF65-F5344CB8AC3E}">
-        <p14:creationId xmlns:p14="http://schemas.microsoft.com/office/powerpoint/2010/main" val="306734600"/>
+        <p14:creationId xmlns:p14="http://schemas.microsoft.com/office/powerpoint/2010/main" val="2089556326"/>
       </p:ext>
     </p:extLst>
   </p:cSld>
@@ -1905,7 +1905,7 @@
           <p:cNvPr id="2" name="标题 1">
             <a:extLst>
               <a:ext uri="{FF2B5EF4-FFF2-40B4-BE49-F238E27FC236}">
-                <a16:creationId xmlns:a16="http://schemas.microsoft.com/office/drawing/2014/main" id="{6DF293E9-B9D2-51FD-A5A0-94D254290324}"/>
+                <a16:creationId xmlns:a16="http://schemas.microsoft.com/office/drawing/2014/main" id="{9269352D-EC3D-9E41-4A97-67B3B4EED90D}"/>
               </a:ext>
             </a:extLst>
           </p:cNvPr>
@@ -1933,7 +1933,7 @@
           <p:cNvPr id="3" name="日期占位符 2">
             <a:extLst>
               <a:ext uri="{FF2B5EF4-FFF2-40B4-BE49-F238E27FC236}">
-                <a16:creationId xmlns:a16="http://schemas.microsoft.com/office/drawing/2014/main" id="{5A0B4325-28D1-0077-212A-D861349515F8}"/>
+                <a16:creationId xmlns:a16="http://schemas.microsoft.com/office/drawing/2014/main" id="{05F5B6E3-2975-DE71-69B7-840167172C13}"/>
               </a:ext>
             </a:extLst>
           </p:cNvPr>
@@ -1949,7 +1949,7 @@
           <a:bodyPr/>
           <a:lstStyle/>
           <a:p>
-            <a:fld id="{B55278F8-A17E-40AE-812D-6D423E608620}" type="datetimeFigureOut">
+            <a:fld id="{1FC17983-5F2A-4609-90F2-B362521F55A1}" type="datetimeFigureOut">
               <a:rPr lang="zh-CN" altLang="en-US" smtClean="0"/>
               <a:t>2024/3/10</a:t>
             </a:fld>
@@ -1962,7 +1962,7 @@
           <p:cNvPr id="4" name="页脚占位符 3">
             <a:extLst>
               <a:ext uri="{FF2B5EF4-FFF2-40B4-BE49-F238E27FC236}">
-                <a16:creationId xmlns:a16="http://schemas.microsoft.com/office/drawing/2014/main" id="{B40175E2-DE0B-0715-274C-2F4BBFDF6163}"/>
+                <a16:creationId xmlns:a16="http://schemas.microsoft.com/office/drawing/2014/main" id="{45C1B11C-3364-0C99-F655-14BB4E7CBC8F}"/>
               </a:ext>
             </a:extLst>
           </p:cNvPr>
@@ -1987,7 +1987,7 @@
           <p:cNvPr id="5" name="灯片编号占位符 4">
             <a:extLst>
               <a:ext uri="{FF2B5EF4-FFF2-40B4-BE49-F238E27FC236}">
-                <a16:creationId xmlns:a16="http://schemas.microsoft.com/office/drawing/2014/main" id="{D8EA3B5D-02FE-2C34-A6F9-5A40E5645D53}"/>
+                <a16:creationId xmlns:a16="http://schemas.microsoft.com/office/drawing/2014/main" id="{82D186FD-FEEB-4C09-1018-F952BCAF353B}"/>
               </a:ext>
             </a:extLst>
           </p:cNvPr>
@@ -2003,7 +2003,7 @@
           <a:bodyPr/>
           <a:lstStyle/>
           <a:p>
-            <a:fld id="{BE13F6C9-8979-4563-A095-E599654A112A}" type="slidenum">
+            <a:fld id="{19C3DD8D-9E4B-4F1F-AE19-BA87E9053BD3}" type="slidenum">
               <a:rPr lang="zh-CN" altLang="en-US" smtClean="0"/>
               <a:t>‹#›</a:t>
             </a:fld>
@@ -2014,7 +2014,7 @@
     </p:spTree>
     <p:extLst>
       <p:ext uri="{BB962C8B-B14F-4D97-AF65-F5344CB8AC3E}">
-        <p14:creationId xmlns:p14="http://schemas.microsoft.com/office/powerpoint/2010/main" val="1121162961"/>
+        <p14:creationId xmlns:p14="http://schemas.microsoft.com/office/powerpoint/2010/main" val="1317527130"/>
       </p:ext>
     </p:extLst>
   </p:cSld>
@@ -2046,7 +2046,7 @@
           <p:cNvPr id="2" name="日期占位符 1">
             <a:extLst>
               <a:ext uri="{FF2B5EF4-FFF2-40B4-BE49-F238E27FC236}">
-                <a16:creationId xmlns:a16="http://schemas.microsoft.com/office/drawing/2014/main" id="{89933C7A-1386-5C06-808F-53E48EBAF487}"/>
+                <a16:creationId xmlns:a16="http://schemas.microsoft.com/office/drawing/2014/main" id="{4EB4A90D-9663-ECD0-26B4-E3C2D8B14BD7}"/>
               </a:ext>
             </a:extLst>
           </p:cNvPr>
@@ -2062,7 +2062,7 @@
           <a:bodyPr/>
           <a:lstStyle/>
           <a:p>
-            <a:fld id="{B55278F8-A17E-40AE-812D-6D423E608620}" type="datetimeFigureOut">
+            <a:fld id="{1FC17983-5F2A-4609-90F2-B362521F55A1}" type="datetimeFigureOut">
               <a:rPr lang="zh-CN" altLang="en-US" smtClean="0"/>
               <a:t>2024/3/10</a:t>
             </a:fld>
@@ -2075,7 +2075,7 @@
           <p:cNvPr id="3" name="页脚占位符 2">
             <a:extLst>
               <a:ext uri="{FF2B5EF4-FFF2-40B4-BE49-F238E27FC236}">
-                <a16:creationId xmlns:a16="http://schemas.microsoft.com/office/drawing/2014/main" id="{25545347-0375-2949-4006-2F5BDBB6B03E}"/>
+                <a16:creationId xmlns:a16="http://schemas.microsoft.com/office/drawing/2014/main" id="{EBA549B2-2C3C-77CA-301F-DE531057FB01}"/>
               </a:ext>
             </a:extLst>
           </p:cNvPr>
@@ -2100,7 +2100,7 @@
           <p:cNvPr id="4" name="灯片编号占位符 3">
             <a:extLst>
               <a:ext uri="{FF2B5EF4-FFF2-40B4-BE49-F238E27FC236}">
-                <a16:creationId xmlns:a16="http://schemas.microsoft.com/office/drawing/2014/main" id="{B6C4EF4F-A277-E067-9C20-8FFE74B6111D}"/>
+                <a16:creationId xmlns:a16="http://schemas.microsoft.com/office/drawing/2014/main" id="{1111277E-9DF4-8801-E826-8CC1CF146BE4}"/>
               </a:ext>
             </a:extLst>
           </p:cNvPr>
@@ -2116,7 +2116,7 @@
           <a:bodyPr/>
           <a:lstStyle/>
           <a:p>
-            <a:fld id="{BE13F6C9-8979-4563-A095-E599654A112A}" type="slidenum">
+            <a:fld id="{19C3DD8D-9E4B-4F1F-AE19-BA87E9053BD3}" type="slidenum">
               <a:rPr lang="zh-CN" altLang="en-US" smtClean="0"/>
               <a:t>‹#›</a:t>
             </a:fld>
@@ -2127,7 +2127,7 @@
     </p:spTree>
     <p:extLst>
       <p:ext uri="{BB962C8B-B14F-4D97-AF65-F5344CB8AC3E}">
-        <p14:creationId xmlns:p14="http://schemas.microsoft.com/office/powerpoint/2010/main" val="2384046757"/>
+        <p14:creationId xmlns:p14="http://schemas.microsoft.com/office/powerpoint/2010/main" val="1172016996"/>
       </p:ext>
     </p:extLst>
   </p:cSld>
@@ -2159,7 +2159,7 @@
           <p:cNvPr id="2" name="标题 1">
             <a:extLst>
               <a:ext uri="{FF2B5EF4-FFF2-40B4-BE49-F238E27FC236}">
-                <a16:creationId xmlns:a16="http://schemas.microsoft.com/office/drawing/2014/main" id="{54C7C99D-B3FD-598A-C57F-FACF9D10DA6D}"/>
+                <a16:creationId xmlns:a16="http://schemas.microsoft.com/office/drawing/2014/main" id="{9A758F63-84FE-5224-3B66-E5002571501D}"/>
               </a:ext>
             </a:extLst>
           </p:cNvPr>
@@ -2196,7 +2196,7 @@
           <p:cNvPr id="3" name="内容占位符 2">
             <a:extLst>
               <a:ext uri="{FF2B5EF4-FFF2-40B4-BE49-F238E27FC236}">
-                <a16:creationId xmlns:a16="http://schemas.microsoft.com/office/drawing/2014/main" id="{207F5F47-333F-D388-1621-0E945C7D621B}"/>
+                <a16:creationId xmlns:a16="http://schemas.microsoft.com/office/drawing/2014/main" id="{DCB8FB3C-1A1F-E88D-4C5F-05F3D51EFD3B}"/>
               </a:ext>
             </a:extLst>
           </p:cNvPr>
@@ -2286,7 +2286,7 @@
           <p:cNvPr id="4" name="文本占位符 3">
             <a:extLst>
               <a:ext uri="{FF2B5EF4-FFF2-40B4-BE49-F238E27FC236}">
-                <a16:creationId xmlns:a16="http://schemas.microsoft.com/office/drawing/2014/main" id="{C9720A86-E955-61FA-3B76-6570328A5822}"/>
+                <a16:creationId xmlns:a16="http://schemas.microsoft.com/office/drawing/2014/main" id="{12CFA4F6-A77B-FCE0-F9CB-1D624D752E05}"/>
               </a:ext>
             </a:extLst>
           </p:cNvPr>
@@ -2357,7 +2357,7 @@
           <p:cNvPr id="5" name="日期占位符 4">
             <a:extLst>
               <a:ext uri="{FF2B5EF4-FFF2-40B4-BE49-F238E27FC236}">
-                <a16:creationId xmlns:a16="http://schemas.microsoft.com/office/drawing/2014/main" id="{5A51D5EA-CA65-EE35-8B05-5145033C90E0}"/>
+                <a16:creationId xmlns:a16="http://schemas.microsoft.com/office/drawing/2014/main" id="{75BB6D50-FAA9-5F59-A515-0758307C3CCA}"/>
               </a:ext>
             </a:extLst>
           </p:cNvPr>
@@ -2373,7 +2373,7 @@
           <a:bodyPr/>
           <a:lstStyle/>
           <a:p>
-            <a:fld id="{B55278F8-A17E-40AE-812D-6D423E608620}" type="datetimeFigureOut">
+            <a:fld id="{1FC17983-5F2A-4609-90F2-B362521F55A1}" type="datetimeFigureOut">
               <a:rPr lang="zh-CN" altLang="en-US" smtClean="0"/>
               <a:t>2024/3/10</a:t>
             </a:fld>
@@ -2386,7 +2386,7 @@
           <p:cNvPr id="6" name="页脚占位符 5">
             <a:extLst>
               <a:ext uri="{FF2B5EF4-FFF2-40B4-BE49-F238E27FC236}">
-                <a16:creationId xmlns:a16="http://schemas.microsoft.com/office/drawing/2014/main" id="{BD182F38-8139-DDD9-52B6-1051823D67DB}"/>
+                <a16:creationId xmlns:a16="http://schemas.microsoft.com/office/drawing/2014/main" id="{E70A83DE-E79B-F296-B096-A3E318F5C34B}"/>
               </a:ext>
             </a:extLst>
           </p:cNvPr>
@@ -2411,7 +2411,7 @@
           <p:cNvPr id="7" name="灯片编号占位符 6">
             <a:extLst>
               <a:ext uri="{FF2B5EF4-FFF2-40B4-BE49-F238E27FC236}">
-                <a16:creationId xmlns:a16="http://schemas.microsoft.com/office/drawing/2014/main" id="{87F4978B-681A-3F3C-CFCE-735B994C647D}"/>
+                <a16:creationId xmlns:a16="http://schemas.microsoft.com/office/drawing/2014/main" id="{F401F4CE-220B-0F55-36D3-6D00FE762B8D}"/>
               </a:ext>
             </a:extLst>
           </p:cNvPr>
@@ -2427,7 +2427,7 @@
           <a:bodyPr/>
           <a:lstStyle/>
           <a:p>
-            <a:fld id="{BE13F6C9-8979-4563-A095-E599654A112A}" type="slidenum">
+            <a:fld id="{19C3DD8D-9E4B-4F1F-AE19-BA87E9053BD3}" type="slidenum">
               <a:rPr lang="zh-CN" altLang="en-US" smtClean="0"/>
               <a:t>‹#›</a:t>
             </a:fld>
@@ -2438,7 +2438,7 @@
     </p:spTree>
     <p:extLst>
       <p:ext uri="{BB962C8B-B14F-4D97-AF65-F5344CB8AC3E}">
-        <p14:creationId xmlns:p14="http://schemas.microsoft.com/office/powerpoint/2010/main" val="3845289279"/>
+        <p14:creationId xmlns:p14="http://schemas.microsoft.com/office/powerpoint/2010/main" val="456057880"/>
       </p:ext>
     </p:extLst>
   </p:cSld>
@@ -2470,7 +2470,7 @@
           <p:cNvPr id="2" name="标题 1">
             <a:extLst>
               <a:ext uri="{FF2B5EF4-FFF2-40B4-BE49-F238E27FC236}">
-                <a16:creationId xmlns:a16="http://schemas.microsoft.com/office/drawing/2014/main" id="{25608AD4-9A1C-8FF3-F735-BA5FEA6F695E}"/>
+                <a16:creationId xmlns:a16="http://schemas.microsoft.com/office/drawing/2014/main" id="{9831F71F-73A0-D8CB-D0A6-E23271394E50}"/>
               </a:ext>
             </a:extLst>
           </p:cNvPr>
@@ -2507,7 +2507,7 @@
           <p:cNvPr id="3" name="图片占位符 2">
             <a:extLst>
               <a:ext uri="{FF2B5EF4-FFF2-40B4-BE49-F238E27FC236}">
-                <a16:creationId xmlns:a16="http://schemas.microsoft.com/office/drawing/2014/main" id="{B207B354-86BE-A680-61FD-28983322ABBD}"/>
+                <a16:creationId xmlns:a16="http://schemas.microsoft.com/office/drawing/2014/main" id="{8653A89D-4713-17E1-F684-951A9BCFD436}"/>
               </a:ext>
             </a:extLst>
           </p:cNvPr>
@@ -2574,7 +2574,7 @@
           <p:cNvPr id="4" name="文本占位符 3">
             <a:extLst>
               <a:ext uri="{FF2B5EF4-FFF2-40B4-BE49-F238E27FC236}">
-                <a16:creationId xmlns:a16="http://schemas.microsoft.com/office/drawing/2014/main" id="{2EFE093F-CD40-580C-2AD6-39F352C62741}"/>
+                <a16:creationId xmlns:a16="http://schemas.microsoft.com/office/drawing/2014/main" id="{A9CE3F1A-4711-9F23-03CF-63D2ABEF4D7B}"/>
               </a:ext>
             </a:extLst>
           </p:cNvPr>
@@ -2645,7 +2645,7 @@
           <p:cNvPr id="5" name="日期占位符 4">
             <a:extLst>
               <a:ext uri="{FF2B5EF4-FFF2-40B4-BE49-F238E27FC236}">
-                <a16:creationId xmlns:a16="http://schemas.microsoft.com/office/drawing/2014/main" id="{F39733BB-0AC2-39FA-97BD-2EC3107FBC39}"/>
+                <a16:creationId xmlns:a16="http://schemas.microsoft.com/office/drawing/2014/main" id="{D5034F16-7C68-19EF-82E4-DF447C936A37}"/>
               </a:ext>
             </a:extLst>
           </p:cNvPr>
@@ -2661,7 +2661,7 @@
           <a:bodyPr/>
           <a:lstStyle/>
           <a:p>
-            <a:fld id="{B55278F8-A17E-40AE-812D-6D423E608620}" type="datetimeFigureOut">
+            <a:fld id="{1FC17983-5F2A-4609-90F2-B362521F55A1}" type="datetimeFigureOut">
               <a:rPr lang="zh-CN" altLang="en-US" smtClean="0"/>
               <a:t>2024/3/10</a:t>
             </a:fld>
@@ -2674,7 +2674,7 @@
           <p:cNvPr id="6" name="页脚占位符 5">
             <a:extLst>
               <a:ext uri="{FF2B5EF4-FFF2-40B4-BE49-F238E27FC236}">
-                <a16:creationId xmlns:a16="http://schemas.microsoft.com/office/drawing/2014/main" id="{E27FB08A-4BDF-3C57-B06B-BA354A531972}"/>
+                <a16:creationId xmlns:a16="http://schemas.microsoft.com/office/drawing/2014/main" id="{1147AF8D-A07E-5290-68DE-5DA078DEA8FC}"/>
               </a:ext>
             </a:extLst>
           </p:cNvPr>
@@ -2699,7 +2699,7 @@
           <p:cNvPr id="7" name="灯片编号占位符 6">
             <a:extLst>
               <a:ext uri="{FF2B5EF4-FFF2-40B4-BE49-F238E27FC236}">
-                <a16:creationId xmlns:a16="http://schemas.microsoft.com/office/drawing/2014/main" id="{1E8DD471-DF35-F510-CFB4-D113F948F9AE}"/>
+                <a16:creationId xmlns:a16="http://schemas.microsoft.com/office/drawing/2014/main" id="{4AAEF2BE-431C-1C6F-054D-23226DE36395}"/>
               </a:ext>
             </a:extLst>
           </p:cNvPr>
@@ -2715,7 +2715,7 @@
           <a:bodyPr/>
           <a:lstStyle/>
           <a:p>
-            <a:fld id="{BE13F6C9-8979-4563-A095-E599654A112A}" type="slidenum">
+            <a:fld id="{19C3DD8D-9E4B-4F1F-AE19-BA87E9053BD3}" type="slidenum">
               <a:rPr lang="zh-CN" altLang="en-US" smtClean="0"/>
               <a:t>‹#›</a:t>
             </a:fld>
@@ -2726,7 +2726,7 @@
     </p:spTree>
     <p:extLst>
       <p:ext uri="{BB962C8B-B14F-4D97-AF65-F5344CB8AC3E}">
-        <p14:creationId xmlns:p14="http://schemas.microsoft.com/office/powerpoint/2010/main" val="3419587141"/>
+        <p14:creationId xmlns:p14="http://schemas.microsoft.com/office/powerpoint/2010/main" val="1201103688"/>
       </p:ext>
     </p:extLst>
   </p:cSld>
@@ -2763,7 +2763,7 @@
           <p:cNvPr id="2" name="标题占位符 1">
             <a:extLst>
               <a:ext uri="{FF2B5EF4-FFF2-40B4-BE49-F238E27FC236}">
-                <a16:creationId xmlns:a16="http://schemas.microsoft.com/office/drawing/2014/main" id="{AAFE22B4-9216-6D1D-00FD-CABBA493F809}"/>
+                <a16:creationId xmlns:a16="http://schemas.microsoft.com/office/drawing/2014/main" id="{1658F7BF-396F-5782-77ED-39764020FFA5}"/>
               </a:ext>
             </a:extLst>
           </p:cNvPr>
@@ -2801,7 +2801,7 @@
           <p:cNvPr id="3" name="文本占位符 2">
             <a:extLst>
               <a:ext uri="{FF2B5EF4-FFF2-40B4-BE49-F238E27FC236}">
-                <a16:creationId xmlns:a16="http://schemas.microsoft.com/office/drawing/2014/main" id="{9E807694-673F-F8DE-B400-AF42B6C10162}"/>
+                <a16:creationId xmlns:a16="http://schemas.microsoft.com/office/drawing/2014/main" id="{5B2BBA3C-DFE1-3DE9-5B87-4CEE9FBA1718}"/>
               </a:ext>
             </a:extLst>
           </p:cNvPr>
@@ -2868,7 +2868,7 @@
           <p:cNvPr id="4" name="日期占位符 3">
             <a:extLst>
               <a:ext uri="{FF2B5EF4-FFF2-40B4-BE49-F238E27FC236}">
-                <a16:creationId xmlns:a16="http://schemas.microsoft.com/office/drawing/2014/main" id="{7414D3F5-BBA0-03E0-45BC-E630D2F19C1E}"/>
+                <a16:creationId xmlns:a16="http://schemas.microsoft.com/office/drawing/2014/main" id="{BAE6C370-449D-F71C-2A3C-5F873460C263}"/>
               </a:ext>
             </a:extLst>
           </p:cNvPr>
@@ -2902,7 +2902,7 @@
             </a:lvl1pPr>
           </a:lstStyle>
           <a:p>
-            <a:fld id="{B55278F8-A17E-40AE-812D-6D423E608620}" type="datetimeFigureOut">
+            <a:fld id="{1FC17983-5F2A-4609-90F2-B362521F55A1}" type="datetimeFigureOut">
               <a:rPr lang="zh-CN" altLang="en-US" smtClean="0"/>
               <a:t>2024/3/10</a:t>
             </a:fld>
@@ -2915,7 +2915,7 @@
           <p:cNvPr id="5" name="页脚占位符 4">
             <a:extLst>
               <a:ext uri="{FF2B5EF4-FFF2-40B4-BE49-F238E27FC236}">
-                <a16:creationId xmlns:a16="http://schemas.microsoft.com/office/drawing/2014/main" id="{3A250C39-E1EF-C300-97F6-7626FA65B9CD}"/>
+                <a16:creationId xmlns:a16="http://schemas.microsoft.com/office/drawing/2014/main" id="{784DA3A3-B8AF-8F31-0371-C8BA8D252344}"/>
               </a:ext>
             </a:extLst>
           </p:cNvPr>
@@ -2958,7 +2958,7 @@
           <p:cNvPr id="6" name="灯片编号占位符 5">
             <a:extLst>
               <a:ext uri="{FF2B5EF4-FFF2-40B4-BE49-F238E27FC236}">
-                <a16:creationId xmlns:a16="http://schemas.microsoft.com/office/drawing/2014/main" id="{56033F14-45DD-3ADF-2885-F7408BDB78CA}"/>
+                <a16:creationId xmlns:a16="http://schemas.microsoft.com/office/drawing/2014/main" id="{A46D7DE5-6268-17E5-5E02-BA89DABFA802}"/>
               </a:ext>
             </a:extLst>
           </p:cNvPr>
@@ -2992,7 +2992,7 @@
             </a:lvl1pPr>
           </a:lstStyle>
           <a:p>
-            <a:fld id="{BE13F6C9-8979-4563-A095-E599654A112A}" type="slidenum">
+            <a:fld id="{19C3DD8D-9E4B-4F1F-AE19-BA87E9053BD3}" type="slidenum">
               <a:rPr lang="zh-CN" altLang="en-US" smtClean="0"/>
               <a:t>‹#›</a:t>
             </a:fld>
@@ -3003,7 +3003,7 @@
     </p:spTree>
     <p:extLst>
       <p:ext uri="{BB962C8B-B14F-4D97-AF65-F5344CB8AC3E}">
-        <p14:creationId xmlns:p14="http://schemas.microsoft.com/office/powerpoint/2010/main" val="1836505913"/>
+        <p14:creationId xmlns:p14="http://schemas.microsoft.com/office/powerpoint/2010/main" val="1615879104"/>
       </p:ext>
     </p:extLst>
   </p:cSld>
